--- a/presentation_orale.pptx
+++ b/presentation_orale.pptx
@@ -4138,7 +4138,7 @@
             </a:lstStyle>
             <a:p>
               <a:r>
-                <a:rPr lang="fr-FR" dirty="0" smtClean="0">
+                <a:rPr lang="fr-FR" dirty="0">
                   <a:solidFill>
                     <a:schemeClr val="tx1"/>
                   </a:solidFill>
@@ -4159,31 +4159,18 @@
                     <a:schemeClr val="tx1"/>
                   </a:solidFill>
                 </a:rPr>
-                <a:t> </a:t>
-              </a:r>
-              <a:r>
-                <a:rPr lang="fr-FR" dirty="0" smtClean="0">
-                  <a:solidFill>
-                    <a:schemeClr val="tx1"/>
-                  </a:solidFill>
-                </a:rPr>
-                <a:t>Mining</a:t>
+                <a:t> Mining</a:t>
               </a:r>
             </a:p>
             <a:p>
               <a:r>
-                <a:rPr lang="fr-FR" dirty="0" smtClean="0">
+                <a:rPr lang="fr-FR" dirty="0">
                   <a:solidFill>
                     <a:schemeClr val="tx1"/>
                   </a:solidFill>
                 </a:rPr>
                 <a:t>ATLAS</a:t>
               </a:r>
-              <a:endParaRPr lang="fr-FR" dirty="0">
-                <a:solidFill>
-                  <a:schemeClr val="tx1"/>
-                </a:solidFill>
-              </a:endParaRPr>
             </a:p>
             <a:p>
               <a:endParaRPr lang="fr-FR" dirty="0">
@@ -4343,13 +4330,6 @@
       </p:transition>
     </mc:Fallback>
   </mc:AlternateContent>
-  <p:timing>
-    <p:tnLst>
-      <p:par>
-        <p:cTn id="1" dur="indefinite" restart="never" nodeType="tmRoot"/>
-      </p:par>
-    </p:tnLst>
-  </p:timing>
 </p:sld>
 </file>
 
@@ -4416,9 +4396,216 @@
           </a:p>
         </p:txBody>
       </p:sp>
+      <p:sp>
+        <p:nvSpPr>
+          <p:cNvPr id="16" name="ZoneTexte 15"/>
+          <p:cNvSpPr txBox="1"/>
+          <p:nvPr/>
+        </p:nvSpPr>
+        <p:spPr>
+          <a:xfrm>
+            <a:off x="203200" y="203368"/>
+            <a:ext cx="10165918" cy="1015663"/>
+          </a:xfrm>
+          <a:prstGeom prst="rect">
+            <a:avLst/>
+          </a:prstGeom>
+          <a:noFill/>
+        </p:spPr>
+        <p:txBody>
+          <a:bodyPr wrap="square" rtlCol="0">
+            <a:spAutoFit/>
+          </a:bodyPr>
+          <a:lstStyle/>
+          <a:p>
+            <a:r>
+              <a:rPr lang="fr-FR" sz="6000" dirty="0">
+                <a:solidFill>
+                  <a:schemeClr val="bg1"/>
+                </a:solidFill>
+                <a:latin typeface="Bahnschrift SemiLight" panose="020B0502040204020203" pitchFamily="34" charset="0"/>
+                <a:cs typeface="Cascadia Mono Light" panose="020B0609020000020004" pitchFamily="49" charset="0"/>
+              </a:rPr>
+              <a:t>Bilan critique</a:t>
+            </a:r>
+          </a:p>
+        </p:txBody>
+      </p:sp>
+      <p:sp>
+        <p:nvSpPr>
+          <p:cNvPr id="9" name="ZoneTexte 8"/>
+          <p:cNvSpPr txBox="1"/>
+          <p:nvPr/>
+        </p:nvSpPr>
+        <p:spPr>
+          <a:xfrm>
+            <a:off x="203200" y="-1421810"/>
+            <a:ext cx="10165918" cy="1015663"/>
+          </a:xfrm>
+          <a:prstGeom prst="rect">
+            <a:avLst/>
+          </a:prstGeom>
+          <a:noFill/>
+        </p:spPr>
+        <p:txBody>
+          <a:bodyPr wrap="square" rtlCol="0">
+            <a:spAutoFit/>
+          </a:bodyPr>
+          <a:lstStyle/>
+          <a:p>
+            <a:r>
+              <a:rPr lang="fr-FR" sz="6000" dirty="0">
+                <a:solidFill>
+                  <a:schemeClr val="bg1"/>
+                </a:solidFill>
+                <a:latin typeface="Bahnschrift SemiLight" panose="020B0502040204020203" pitchFamily="34" charset="0"/>
+                <a:cs typeface="Cascadia Mono Light" panose="020B0609020000020004" pitchFamily="49" charset="0"/>
+              </a:rPr>
+              <a:t>Analyses</a:t>
+            </a:r>
+          </a:p>
+        </p:txBody>
+      </p:sp>
+      <p:sp>
+        <p:nvSpPr>
+          <p:cNvPr id="3" name="Espace réservé du numéro de diapositive 2"/>
+          <p:cNvSpPr>
+            <a:spLocks noGrp="1"/>
+          </p:cNvSpPr>
+          <p:nvPr>
+            <p:ph type="sldNum" sz="quarter" idx="12"/>
+          </p:nvPr>
+        </p:nvSpPr>
+        <p:spPr/>
+        <p:txBody>
+          <a:bodyPr/>
+          <a:lstStyle/>
+          <a:p>
+            <a:fld id="{57CD780C-99FA-4D36-8226-50AECB670278}" type="slidenum">
+              <a:rPr lang="fr-FR" smtClean="0"/>
+              <a:t>10</a:t>
+            </a:fld>
+            <a:endParaRPr lang="fr-FR"/>
+          </a:p>
+        </p:txBody>
+      </p:sp>
+      <p:sp>
+        <p:nvSpPr>
+          <p:cNvPr id="2" name="ZoneTexte 1">
+            <a:extLst>
+              <a:ext uri="{FF2B5EF4-FFF2-40B4-BE49-F238E27FC236}">
+                <a16:creationId xmlns:a16="http://schemas.microsoft.com/office/drawing/2014/main" id="{EB1B8451-AF21-AE01-8814-89322223A841}"/>
+              </a:ext>
+            </a:extLst>
+          </p:cNvPr>
+          <p:cNvSpPr txBox="1"/>
+          <p:nvPr/>
+        </p:nvSpPr>
+        <p:spPr>
+          <a:xfrm>
+            <a:off x="203200" y="1642342"/>
+            <a:ext cx="11988800" cy="1493358"/>
+          </a:xfrm>
+          <a:prstGeom prst="rect">
+            <a:avLst/>
+          </a:prstGeom>
+          <a:noFill/>
+        </p:spPr>
+        <p:txBody>
+          <a:bodyPr wrap="square" rtlCol="0">
+            <a:spAutoFit/>
+          </a:bodyPr>
+          <a:lstStyle/>
+          <a:p>
+            <a:pPr>
+              <a:lnSpc>
+                <a:spcPct val="150000"/>
+              </a:lnSpc>
+            </a:pPr>
+            <a:r>
+              <a:rPr lang="fr-FR" sz="2400" dirty="0"/>
+              <a:t>▶</a:t>
+            </a:r>
+            <a:r>
+              <a:rPr lang="fr-FR" sz="3200" dirty="0"/>
+              <a:t> Application efficace, </a:t>
+            </a:r>
+            <a:r>
+              <a:rPr lang="fr-FR" sz="3200" dirty="0" err="1"/>
+              <a:t>Streamlit</a:t>
+            </a:r>
+            <a:r>
+              <a:rPr lang="fr-FR" sz="3200" dirty="0"/>
+              <a:t> + API, enrichissements NLP</a:t>
+            </a:r>
+          </a:p>
+          <a:p>
+            <a:pPr>
+              <a:lnSpc>
+                <a:spcPct val="150000"/>
+              </a:lnSpc>
+            </a:pPr>
+            <a:r>
+              <a:rPr lang="fr-FR" sz="2400" dirty="0"/>
+              <a:t>▶</a:t>
+            </a:r>
+            <a:r>
+              <a:rPr lang="fr-FR" sz="3200" dirty="0"/>
+              <a:t> Excellente base pour continuer à itérer et rajouter des améliorations</a:t>
+            </a:r>
+          </a:p>
+        </p:txBody>
+      </p:sp>
+      <p:cxnSp>
+        <p:nvCxnSpPr>
+          <p:cNvPr id="8" name="Connecteur droit 7">
+            <a:extLst>
+              <a:ext uri="{FF2B5EF4-FFF2-40B4-BE49-F238E27FC236}">
+                <a16:creationId xmlns:a16="http://schemas.microsoft.com/office/drawing/2014/main" id="{4543E635-43E1-F59C-4E6C-7F4E857A2CEE}"/>
+              </a:ext>
+            </a:extLst>
+          </p:cNvPr>
+          <p:cNvCxnSpPr/>
+          <p:nvPr/>
+        </p:nvCxnSpPr>
+        <p:spPr>
+          <a:xfrm>
+            <a:off x="3210232" y="3269226"/>
+            <a:ext cx="5771535" cy="0"/>
+          </a:xfrm>
+          <a:prstGeom prst="line">
+            <a:avLst/>
+          </a:prstGeom>
+          <a:ln w="19050">
+            <a:solidFill>
+              <a:schemeClr val="tx1"/>
+            </a:solidFill>
+          </a:ln>
+        </p:spPr>
+        <p:style>
+          <a:lnRef idx="1">
+            <a:schemeClr val="dk1"/>
+          </a:lnRef>
+          <a:fillRef idx="0">
+            <a:schemeClr val="dk1"/>
+          </a:fillRef>
+          <a:effectRef idx="0">
+            <a:schemeClr val="dk1"/>
+          </a:effectRef>
+          <a:fontRef idx="minor">
+            <a:schemeClr val="tx1"/>
+          </a:fontRef>
+        </p:style>
+      </p:cxnSp>
       <p:pic>
         <p:nvPicPr>
-          <p:cNvPr id="6" name="Picture 2" descr="Logo.png"/>
+          <p:cNvPr id="10" name="Picture 2" descr="Logo.png">
+            <a:extLst>
+              <a:ext uri="{FF2B5EF4-FFF2-40B4-BE49-F238E27FC236}">
+                <a16:creationId xmlns:a16="http://schemas.microsoft.com/office/drawing/2014/main" id="{76119B99-E4F8-8DEE-BE39-6693B3648CB2}"/>
+              </a:ext>
+            </a:extLst>
+          </p:cNvPr>
           <p:cNvPicPr>
             <a:picLocks noChangeAspect="1" noChangeArrowheads="1"/>
           </p:cNvPicPr>
@@ -4459,14 +4646,20 @@
       </p:pic>
       <p:sp>
         <p:nvSpPr>
-          <p:cNvPr id="16" name="ZoneTexte 15"/>
+          <p:cNvPr id="11" name="ZoneTexte 10">
+            <a:extLst>
+              <a:ext uri="{FF2B5EF4-FFF2-40B4-BE49-F238E27FC236}">
+                <a16:creationId xmlns:a16="http://schemas.microsoft.com/office/drawing/2014/main" id="{CF06414D-EB05-EE9B-9799-82290E06C729}"/>
+              </a:ext>
+            </a:extLst>
+          </p:cNvPr>
           <p:cNvSpPr txBox="1"/>
           <p:nvPr/>
         </p:nvSpPr>
         <p:spPr>
           <a:xfrm>
-            <a:off x="203200" y="203368"/>
-            <a:ext cx="10165918" cy="1015663"/>
+            <a:off x="203200" y="3319430"/>
+            <a:ext cx="11988800" cy="2985433"/>
           </a:xfrm>
           <a:prstGeom prst="rect">
             <a:avLst/>
@@ -4479,81 +4672,167 @@
           </a:bodyPr>
           <a:lstStyle/>
           <a:p>
-            <a:r>
-              <a:rPr lang="fr-FR" sz="6000" dirty="0" smtClean="0">
+            <a:pPr>
+              <a:lnSpc>
+                <a:spcPct val="150000"/>
+              </a:lnSpc>
+            </a:pPr>
+            <a:r>
+              <a:rPr lang="fr-FR" sz="3200" b="1" dirty="0"/>
+              <a:t>Possibilités d’ajouter :</a:t>
+            </a:r>
+          </a:p>
+          <a:p>
+            <a:r>
+              <a:rPr kumimoji="0" lang="fr-FR" sz="2800" b="0" i="0" u="none" strike="noStrike" kern="1200" cap="none" spc="0" normalizeH="0" baseline="0" noProof="0" dirty="0">
+                <a:ln>
+                  <a:noFill/>
+                </a:ln>
                 <a:solidFill>
-                  <a:schemeClr val="bg1"/>
+                  <a:prstClr val="black"/>
                 </a:solidFill>
-                <a:latin typeface="Bahnschrift SemiLight" panose="020B0502040204020203" pitchFamily="34" charset="0"/>
-                <a:cs typeface="Cascadia Mono Light" panose="020B0609020000020004" pitchFamily="49" charset="0"/>
+                <a:effectLst/>
+                <a:uLnTx/>
+                <a:uFillTx/>
+                <a:latin typeface="Calibri" panose="020F0502020204030204"/>
+                <a:ea typeface="+mn-ea"/>
+                <a:cs typeface="+mn-cs"/>
               </a:rPr>
-              <a:t>Bilan critique</a:t>
-            </a:r>
-            <a:endParaRPr lang="fr-FR" sz="6000" dirty="0">
-              <a:solidFill>
-                <a:schemeClr val="bg1"/>
-              </a:solidFill>
-              <a:latin typeface="Bahnschrift SemiLight" panose="020B0502040204020203" pitchFamily="34" charset="0"/>
-              <a:cs typeface="Cascadia Mono Light" panose="020B0609020000020004" pitchFamily="49" charset="0"/>
-            </a:endParaRPr>
-          </a:p>
-        </p:txBody>
-      </p:sp>
-      <p:sp>
-        <p:nvSpPr>
-          <p:cNvPr id="9" name="ZoneTexte 8"/>
-          <p:cNvSpPr txBox="1"/>
-          <p:nvPr/>
-        </p:nvSpPr>
-        <p:spPr>
-          <a:xfrm>
-            <a:off x="203200" y="-1421810"/>
-            <a:ext cx="10165918" cy="1015663"/>
-          </a:xfrm>
-          <a:prstGeom prst="rect">
-            <a:avLst/>
-          </a:prstGeom>
-          <a:noFill/>
-        </p:spPr>
-        <p:txBody>
-          <a:bodyPr wrap="square" rtlCol="0">
-            <a:spAutoFit/>
-          </a:bodyPr>
-          <a:lstStyle/>
-          <a:p>
-            <a:r>
-              <a:rPr lang="fr-FR" sz="6000" dirty="0">
+              <a:t>▶</a:t>
+            </a:r>
+            <a:r>
+              <a:rPr lang="fr-FR" sz="2800" dirty="0"/>
+              <a:t> Scores de profil, score de qualité de l’offre …</a:t>
+            </a:r>
+          </a:p>
+          <a:p>
+            <a:r>
+              <a:rPr kumimoji="0" lang="fr-FR" sz="2800" b="0" i="0" u="none" strike="noStrike" kern="1200" cap="none" spc="0" normalizeH="0" baseline="0" noProof="0" dirty="0">
+                <a:ln>
+                  <a:noFill/>
+                </a:ln>
                 <a:solidFill>
-                  <a:schemeClr val="bg1"/>
+                  <a:prstClr val="black"/>
                 </a:solidFill>
-                <a:latin typeface="Bahnschrift SemiLight" panose="020B0502040204020203" pitchFamily="34" charset="0"/>
-                <a:cs typeface="Cascadia Mono Light" panose="020B0609020000020004" pitchFamily="49" charset="0"/>
+                <a:effectLst/>
+                <a:uLnTx/>
+                <a:uFillTx/>
+                <a:latin typeface="Calibri" panose="020F0502020204030204"/>
+                <a:ea typeface="+mn-ea"/>
+                <a:cs typeface="+mn-cs"/>
               </a:rPr>
-              <a:t>Analyses</a:t>
-            </a:r>
-          </a:p>
-        </p:txBody>
-      </p:sp>
-      <p:sp>
-        <p:nvSpPr>
-          <p:cNvPr id="3" name="Espace réservé du numéro de diapositive 2"/>
-          <p:cNvSpPr>
-            <a:spLocks noGrp="1"/>
-          </p:cNvSpPr>
-          <p:nvPr>
-            <p:ph type="sldNum" sz="quarter" idx="12"/>
-          </p:nvPr>
-        </p:nvSpPr>
-        <p:spPr/>
-        <p:txBody>
-          <a:bodyPr/>
-          <a:lstStyle/>
-          <a:p>
-            <a:fld id="{57CD780C-99FA-4D36-8226-50AECB670278}" type="slidenum">
-              <a:rPr lang="fr-FR" smtClean="0"/>
-              <a:t>10</a:t>
-            </a:fld>
-            <a:endParaRPr lang="fr-FR"/>
+              <a:t>▶</a:t>
+            </a:r>
+            <a:r>
+              <a:rPr lang="fr-FR" sz="2800" dirty="0"/>
+              <a:t> Analyses de biais, salariale avec benchmarks, de sentiment de l’offre …</a:t>
+            </a:r>
+          </a:p>
+          <a:p>
+            <a:r>
+              <a:rPr kumimoji="0" lang="fr-FR" sz="2800" b="0" i="0" u="none" strike="noStrike" kern="1200" cap="none" spc="0" normalizeH="0" baseline="0" noProof="0" dirty="0">
+                <a:ln>
+                  <a:noFill/>
+                </a:ln>
+                <a:solidFill>
+                  <a:prstClr val="black"/>
+                </a:solidFill>
+                <a:effectLst/>
+                <a:uLnTx/>
+                <a:uFillTx/>
+                <a:latin typeface="Calibri" panose="020F0502020204030204"/>
+                <a:ea typeface="+mn-ea"/>
+                <a:cs typeface="+mn-cs"/>
+              </a:rPr>
+              <a:t>▶ Enrichissement avec </a:t>
+            </a:r>
+            <a:r>
+              <a:rPr kumimoji="0" lang="fr-FR" sz="2800" b="0" i="0" u="none" strike="noStrike" kern="1200" cap="none" spc="0" normalizeH="0" baseline="0" noProof="0" dirty="0" err="1">
+                <a:ln>
+                  <a:noFill/>
+                </a:ln>
+                <a:solidFill>
+                  <a:prstClr val="black"/>
+                </a:solidFill>
+                <a:effectLst/>
+                <a:uLnTx/>
+                <a:uFillTx/>
+                <a:latin typeface="Calibri" panose="020F0502020204030204"/>
+                <a:ea typeface="+mn-ea"/>
+                <a:cs typeface="+mn-cs"/>
+              </a:rPr>
+              <a:t>Glassdoor</a:t>
+            </a:r>
+            <a:r>
+              <a:rPr kumimoji="0" lang="fr-FR" sz="2800" b="0" i="0" u="none" strike="noStrike" kern="1200" cap="none" spc="0" normalizeH="0" baseline="0" noProof="0" dirty="0">
+                <a:ln>
+                  <a:noFill/>
+                </a:ln>
+                <a:solidFill>
+                  <a:prstClr val="black"/>
+                </a:solidFill>
+                <a:effectLst/>
+                <a:uLnTx/>
+                <a:uFillTx/>
+                <a:latin typeface="Calibri" panose="020F0502020204030204"/>
+                <a:ea typeface="+mn-ea"/>
+                <a:cs typeface="+mn-cs"/>
+              </a:rPr>
+              <a:t>, nouvelles APIs, résumés d’offres …</a:t>
+            </a:r>
+          </a:p>
+          <a:p>
+            <a:r>
+              <a:rPr lang="fr-FR" sz="2800" dirty="0">
+                <a:solidFill>
+                  <a:prstClr val="black"/>
+                </a:solidFill>
+              </a:rPr>
+              <a:t>▶ </a:t>
+            </a:r>
+            <a:r>
+              <a:rPr lang="fr-FR" sz="2800" dirty="0" err="1">
+                <a:solidFill>
+                  <a:prstClr val="black"/>
+                </a:solidFill>
+              </a:rPr>
+              <a:t>Detection</a:t>
+            </a:r>
+            <a:r>
+              <a:rPr lang="fr-FR" sz="2800" dirty="0">
+                <a:solidFill>
+                  <a:prstClr val="black"/>
+                </a:solidFill>
+              </a:rPr>
+              <a:t> de biais, de phrases problématiques, de contrats illégaux …</a:t>
+            </a:r>
+          </a:p>
+          <a:p>
+            <a:r>
+              <a:rPr lang="fr-FR" sz="2800" dirty="0">
+                <a:solidFill>
+                  <a:prstClr val="black"/>
+                </a:solidFill>
+              </a:rPr>
+              <a:t>▶ </a:t>
+            </a:r>
+            <a:r>
+              <a:rPr lang="fr-FR" sz="2800" dirty="0" err="1">
+                <a:solidFill>
+                  <a:prstClr val="black"/>
+                </a:solidFill>
+              </a:rPr>
+              <a:t>Chatbot</a:t>
+            </a:r>
+            <a:r>
+              <a:rPr lang="fr-FR" sz="2800" dirty="0">
+                <a:solidFill>
+                  <a:prstClr val="black"/>
+                </a:solidFill>
+              </a:rPr>
+              <a:t> RAG …</a:t>
+            </a:r>
+            <a:endParaRPr lang="fr-FR" sz="2800" dirty="0"/>
           </a:p>
         </p:txBody>
       </p:sp>
@@ -4579,13 +4858,6 @@
       </p:transition>
     </mc:Fallback>
   </mc:AlternateContent>
-  <p:timing>
-    <p:tnLst>
-      <p:par>
-        <p:cTn id="1" dur="indefinite" restart="never" nodeType="tmRoot"/>
-      </p:par>
-    </p:tnLst>
-  </p:timing>
 </p:sld>
 </file>
 
@@ -4608,7 +4880,13 @@
       </p:grpSpPr>
       <p:pic>
         <p:nvPicPr>
-          <p:cNvPr id="6" name="Picture 2" descr="Logo.png"/>
+          <p:cNvPr id="2" name="Picture 2" descr="Logo.png">
+            <a:extLst>
+              <a:ext uri="{FF2B5EF4-FFF2-40B4-BE49-F238E27FC236}">
+                <a16:creationId xmlns:a16="http://schemas.microsoft.com/office/drawing/2014/main" id="{7959A52D-CD06-CE20-A26D-A1BB05B8F23C}"/>
+              </a:ext>
+            </a:extLst>
+          </p:cNvPr>
           <p:cNvPicPr>
             <a:picLocks noChangeAspect="1" noChangeArrowheads="1"/>
           </p:cNvPicPr>
@@ -4629,7 +4907,7 @@
         </p:blipFill>
         <p:spPr bwMode="auto">
           <a:xfrm>
-            <a:off x="5778500" y="-406401"/>
+            <a:off x="5753100" y="203368"/>
             <a:ext cx="6934200" cy="6934201"/>
           </a:xfrm>
           <a:prstGeom prst="rect">
@@ -4724,18 +5002,13 @@
           </a:lstStyle>
           <a:p>
             <a:r>
-              <a:rPr lang="fr-FR" dirty="0" smtClean="0">
+              <a:rPr lang="fr-FR" dirty="0">
                 <a:solidFill>
                   <a:schemeClr val="tx1"/>
                 </a:solidFill>
               </a:rPr>
               <a:t>Merci de nous avoir écouté.</a:t>
             </a:r>
-            <a:endParaRPr lang="fr-FR" dirty="0">
-              <a:solidFill>
-                <a:schemeClr val="tx1"/>
-              </a:solidFill>
-            </a:endParaRPr>
           </a:p>
           <a:p>
             <a:endParaRPr lang="fr-FR" dirty="0">
@@ -4915,7 +5188,7 @@
           <a:lstStyle/>
           <a:p>
             <a:r>
-              <a:rPr lang="fr-FR" sz="6000" dirty="0" smtClean="0">
+              <a:rPr lang="fr-FR" sz="6000" dirty="0">
                 <a:solidFill>
                   <a:schemeClr val="bg1"/>
                 </a:solidFill>
@@ -4924,13 +5197,6 @@
               </a:rPr>
               <a:t>Bilan critique</a:t>
             </a:r>
-            <a:endParaRPr lang="fr-FR" sz="6000" dirty="0">
-              <a:solidFill>
-                <a:schemeClr val="bg1"/>
-              </a:solidFill>
-              <a:latin typeface="Bahnschrift SemiLight" panose="020B0502040204020203" pitchFamily="34" charset="0"/>
-              <a:cs typeface="Cascadia Mono Light" panose="020B0609020000020004" pitchFamily="49" charset="0"/>
-            </a:endParaRPr>
           </a:p>
         </p:txBody>
       </p:sp>
@@ -4979,13 +5245,6 @@
       </p:transition>
     </mc:Fallback>
   </mc:AlternateContent>
-  <p:timing>
-    <p:tnLst>
-      <p:par>
-        <p:cTn id="1" dur="indefinite" restart="never" nodeType="tmRoot"/>
-      </p:par>
-    </p:tnLst>
-  </p:timing>
 </p:sld>
 </file>
 
@@ -5151,7 +5410,7 @@
           <a:lstStyle/>
           <a:p>
             <a:r>
-              <a:rPr lang="fr-FR" sz="6000" dirty="0" smtClean="0">
+              <a:rPr lang="fr-FR" sz="6000" dirty="0">
                 <a:solidFill>
                   <a:schemeClr val="bg1"/>
                 </a:solidFill>
@@ -5198,16 +5457,12 @@
               </a:lnSpc>
             </a:pPr>
             <a:r>
-              <a:rPr lang="fr-FR" sz="2400" dirty="0" smtClean="0"/>
+              <a:rPr lang="fr-FR" sz="2400" dirty="0"/>
               <a:t>▶</a:t>
             </a:r>
             <a:r>
-              <a:rPr lang="fr-FR" sz="3200" dirty="0" smtClean="0"/>
-              <a:t> </a:t>
-            </a:r>
-            <a:r>
-              <a:rPr lang="fr-FR" sz="3200" dirty="0" smtClean="0"/>
-              <a:t>Données utilisées</a:t>
+              <a:rPr lang="fr-FR" sz="3200" dirty="0"/>
+              <a:t> Données utilisées</a:t>
             </a:r>
           </a:p>
           <a:p>
@@ -5222,11 +5477,7 @@
             </a:r>
             <a:r>
               <a:rPr lang="fr-FR" sz="3200" dirty="0"/>
-              <a:t> </a:t>
-            </a:r>
-            <a:r>
-              <a:rPr lang="fr-FR" sz="3200" dirty="0" smtClean="0"/>
-              <a:t>Entrepôt de données</a:t>
+              <a:t> Entrepôt de données</a:t>
             </a:r>
           </a:p>
           <a:p>
@@ -5241,17 +5492,13 @@
             </a:r>
             <a:r>
               <a:rPr lang="fr-FR" sz="3200" dirty="0"/>
-              <a:t> </a:t>
-            </a:r>
-            <a:r>
-              <a:rPr lang="fr-FR" sz="3200" dirty="0" smtClean="0"/>
-              <a:t>Web application </a:t>
-            </a:r>
-            <a:r>
-              <a:rPr lang="fr-FR" sz="3200" dirty="0" err="1" smtClean="0"/>
+              <a:t> Web application </a:t>
+            </a:r>
+            <a:r>
+              <a:rPr lang="fr-FR" sz="3200" dirty="0" err="1"/>
               <a:t>Streamlit</a:t>
             </a:r>
-            <a:endParaRPr lang="fr-FR" sz="3200" dirty="0" smtClean="0"/>
+            <a:endParaRPr lang="fr-FR" sz="3200" dirty="0"/>
           </a:p>
           <a:p>
             <a:pPr>
@@ -5268,10 +5515,10 @@
               <a:t> </a:t>
             </a:r>
             <a:r>
-              <a:rPr lang="fr-FR" sz="3200" dirty="0" err="1" smtClean="0"/>
+              <a:rPr lang="fr-FR" sz="3200" dirty="0" err="1"/>
               <a:t>Dockerisation</a:t>
             </a:r>
-            <a:endParaRPr lang="fr-FR" sz="3200" dirty="0" smtClean="0"/>
+            <a:endParaRPr lang="fr-FR" sz="3200" dirty="0"/>
           </a:p>
           <a:p>
             <a:pPr>
@@ -5285,11 +5532,7 @@
             </a:r>
             <a:r>
               <a:rPr lang="fr-FR" sz="3200" dirty="0"/>
-              <a:t> </a:t>
-            </a:r>
-            <a:r>
-              <a:rPr lang="fr-FR" sz="3200" dirty="0" smtClean="0"/>
-              <a:t>Analyses</a:t>
+              <a:t> Analyses</a:t>
             </a:r>
           </a:p>
           <a:p>
@@ -5304,13 +5547,8 @@
             </a:r>
             <a:r>
               <a:rPr lang="fr-FR" sz="3200" dirty="0"/>
-              <a:t> </a:t>
-            </a:r>
-            <a:r>
-              <a:rPr lang="fr-FR" sz="3200" dirty="0" smtClean="0"/>
-              <a:t>Bilan critique</a:t>
-            </a:r>
-            <a:endParaRPr lang="fr-FR" sz="3200" dirty="0"/>
+              <a:t> Bilan critique</a:t>
+            </a:r>
           </a:p>
         </p:txBody>
       </p:sp>
@@ -5364,7 +5602,7 @@
             </a:lstStyle>
             <a:p>
               <a:r>
-                <a:rPr lang="fr-FR" dirty="0" smtClean="0">
+                <a:rPr lang="fr-FR" dirty="0">
                   <a:solidFill>
                     <a:schemeClr val="tx1"/>
                   </a:solidFill>
@@ -5385,31 +5623,18 @@
                     <a:schemeClr val="tx1"/>
                   </a:solidFill>
                 </a:rPr>
-                <a:t> </a:t>
-              </a:r>
-              <a:r>
-                <a:rPr lang="fr-FR" dirty="0" smtClean="0">
-                  <a:solidFill>
-                    <a:schemeClr val="tx1"/>
-                  </a:solidFill>
-                </a:rPr>
-                <a:t>Mining</a:t>
+                <a:t> Mining</a:t>
               </a:r>
             </a:p>
             <a:p>
               <a:r>
-                <a:rPr lang="fr-FR" dirty="0" smtClean="0">
+                <a:rPr lang="fr-FR" dirty="0">
                   <a:solidFill>
                     <a:schemeClr val="tx1"/>
                   </a:solidFill>
                 </a:rPr>
                 <a:t>ATLAS</a:t>
               </a:r>
-              <a:endParaRPr lang="fr-FR" dirty="0">
-                <a:solidFill>
-                  <a:schemeClr val="tx1"/>
-                </a:solidFill>
-              </a:endParaRPr>
             </a:p>
             <a:p>
               <a:endParaRPr lang="fr-FR" dirty="0">
@@ -5590,10 +5815,6 @@
               </a:rPr>
               <a:t>Constat</a:t>
             </a:r>
-            <a:endParaRPr lang="fr-FR" sz="4400" dirty="0">
-              <a:latin typeface="Bahnschrift SemiLight" panose="020B0502040204020203" pitchFamily="34" charset="0"/>
-              <a:cs typeface="Cascadia Mono Light" panose="020B0609020000020004" pitchFamily="49" charset="0"/>
-            </a:endParaRPr>
           </a:p>
         </p:txBody>
       </p:sp>
@@ -5621,16 +5842,12 @@
           <a:p>
             <a:pPr algn="ctr"/>
             <a:r>
-              <a:rPr lang="fr-FR" sz="4400" dirty="0" smtClean="0">
+              <a:rPr lang="fr-FR" sz="4400" dirty="0">
                 <a:latin typeface="Bahnschrift SemiLight" panose="020B0502040204020203" pitchFamily="34" charset="0"/>
                 <a:cs typeface="Cascadia Mono Light" panose="020B0609020000020004" pitchFamily="49" charset="0"/>
               </a:rPr>
               <a:t>Solution</a:t>
             </a:r>
-            <a:endParaRPr lang="fr-FR" sz="4400" dirty="0">
-              <a:latin typeface="Bahnschrift SemiLight" panose="020B0502040204020203" pitchFamily="34" charset="0"/>
-              <a:cs typeface="Cascadia Mono Light" panose="020B0609020000020004" pitchFamily="49" charset="0"/>
-            </a:endParaRPr>
           </a:p>
         </p:txBody>
       </p:sp>
@@ -5658,16 +5875,12 @@
           <a:p>
             <a:pPr algn="ctr"/>
             <a:r>
-              <a:rPr lang="fr-FR" sz="4400" dirty="0" smtClean="0">
+              <a:rPr lang="fr-FR" sz="4400" dirty="0">
                 <a:latin typeface="Bahnschrift SemiLight" panose="020B0502040204020203" pitchFamily="34" charset="0"/>
                 <a:cs typeface="Cascadia Mono Light" panose="020B0609020000020004" pitchFamily="49" charset="0"/>
               </a:rPr>
               <a:t>Résultat</a:t>
             </a:r>
-            <a:endParaRPr lang="fr-FR" sz="4400" dirty="0">
-              <a:latin typeface="Bahnschrift SemiLight" panose="020B0502040204020203" pitchFamily="34" charset="0"/>
-              <a:cs typeface="Cascadia Mono Light" panose="020B0609020000020004" pitchFamily="49" charset="0"/>
-            </a:endParaRPr>
           </a:p>
         </p:txBody>
       </p:sp>
@@ -5767,7 +5980,7 @@
           <a:p>
             <a:pPr algn="ctr"/>
             <a:r>
-              <a:rPr lang="fr-FR" dirty="0" smtClean="0"/>
+              <a:rPr lang="fr-FR" dirty="0"/>
               <a:t>Pipeline automatisé complet</a:t>
             </a:r>
           </a:p>
@@ -5852,7 +6065,7 @@
             <a:p>
               <a:pPr algn="ctr"/>
               <a:r>
-                <a:rPr lang="fr-FR" sz="2400" dirty="0" smtClean="0"/>
+                <a:rPr lang="fr-FR" sz="2400" dirty="0"/>
                 <a:t>Collecte</a:t>
               </a:r>
               <a:endParaRPr lang="fr-FR" dirty="0"/>
@@ -5939,7 +6152,7 @@
             <a:p>
               <a:pPr algn="ctr"/>
               <a:r>
-                <a:rPr lang="fr-FR" sz="2400" dirty="0" smtClean="0"/>
+                <a:rPr lang="fr-FR" sz="2400" dirty="0"/>
                 <a:t>Nettoyage</a:t>
               </a:r>
               <a:endParaRPr lang="fr-FR" dirty="0"/>
@@ -6026,7 +6239,7 @@
             <a:p>
               <a:pPr algn="ctr"/>
               <a:r>
-                <a:rPr lang="fr-FR" sz="2400" dirty="0" smtClean="0"/>
+                <a:rPr lang="fr-FR" sz="2400" dirty="0"/>
                 <a:t>NLP</a:t>
               </a:r>
               <a:endParaRPr lang="fr-FR" dirty="0"/>
@@ -6113,7 +6326,7 @@
             <a:p>
               <a:pPr algn="ctr"/>
               <a:r>
-                <a:rPr lang="fr-FR" sz="2400" dirty="0" smtClean="0"/>
+                <a:rPr lang="fr-FR" sz="2400" dirty="0"/>
                 <a:t>Stockage</a:t>
               </a:r>
               <a:endParaRPr lang="fr-FR" dirty="0"/>
@@ -6200,7 +6413,7 @@
             <a:p>
               <a:pPr algn="ctr"/>
               <a:r>
-                <a:rPr lang="fr-FR" sz="2400" dirty="0" smtClean="0"/>
+                <a:rPr lang="fr-FR" sz="2400" dirty="0"/>
                 <a:t>Visuels</a:t>
               </a:r>
               <a:endParaRPr lang="fr-FR" dirty="0"/>
@@ -6381,7 +6594,7 @@
               <a:buChar char="-"/>
             </a:pPr>
             <a:r>
-              <a:rPr lang="fr-FR" sz="2000" dirty="0" smtClean="0"/>
+              <a:rPr lang="fr-FR" sz="2000" dirty="0"/>
               <a:t>5000 offres collectées</a:t>
             </a:r>
           </a:p>
@@ -6395,11 +6608,7 @@
             </a:pPr>
             <a:r>
               <a:rPr lang="fr-FR" sz="2000" dirty="0"/>
-              <a:t>35000 </a:t>
-            </a:r>
-            <a:r>
-              <a:rPr lang="fr-FR" sz="2000" dirty="0" smtClean="0"/>
-              <a:t>communes </a:t>
+              <a:t>35000 communes </a:t>
             </a:r>
             <a:r>
               <a:rPr lang="fr-FR" sz="2000" dirty="0" err="1"/>
@@ -6446,7 +6655,7 @@
               <a:buFontTx/>
               <a:buChar char="-"/>
             </a:pPr>
-            <a:endParaRPr lang="fr-FR" sz="2000" dirty="0" smtClean="0"/>
+            <a:endParaRPr lang="fr-FR" sz="2000" dirty="0"/>
           </a:p>
           <a:p>
             <a:pPr marL="342900" indent="-342900">
@@ -6456,7 +6665,7 @@
               <a:buFontTx/>
               <a:buChar char="-"/>
             </a:pPr>
-            <a:endParaRPr lang="fr-FR" sz="2000" dirty="0" smtClean="0"/>
+            <a:endParaRPr lang="fr-FR" sz="2000" dirty="0"/>
           </a:p>
         </p:txBody>
       </p:sp>
@@ -6505,13 +6714,6 @@
       </p:transition>
     </mc:Fallback>
   </mc:AlternateContent>
-  <p:timing>
-    <p:tnLst>
-      <p:par>
-        <p:cTn id="1" dur="indefinite" restart="never" nodeType="tmRoot"/>
-      </p:par>
-    </p:tnLst>
-  </p:timing>
 </p:sld>
 </file>
 
@@ -6601,7 +6803,7 @@
           <a:lstStyle/>
           <a:p>
             <a:r>
-              <a:rPr lang="fr-FR" sz="6000" dirty="0" smtClean="0">
+              <a:rPr lang="fr-FR" sz="6000" dirty="0">
                 <a:solidFill>
                   <a:schemeClr val="bg1"/>
                 </a:solidFill>
@@ -6648,16 +6850,12 @@
               </a:lnSpc>
             </a:pPr>
             <a:r>
-              <a:rPr lang="fr-FR" sz="2400" dirty="0" smtClean="0"/>
+              <a:rPr lang="fr-FR" sz="2400" dirty="0"/>
               <a:t>▶</a:t>
             </a:r>
             <a:r>
-              <a:rPr lang="fr-FR" sz="3200" dirty="0" smtClean="0"/>
-              <a:t> </a:t>
-            </a:r>
-            <a:r>
-              <a:rPr lang="fr-FR" sz="3200" dirty="0" smtClean="0"/>
-              <a:t>Données utilisées</a:t>
+              <a:rPr lang="fr-FR" sz="3200" dirty="0"/>
+              <a:t> Données utilisées</a:t>
             </a:r>
           </a:p>
           <a:p>
@@ -6672,11 +6870,7 @@
             </a:r>
             <a:r>
               <a:rPr lang="fr-FR" sz="3200" dirty="0"/>
-              <a:t> </a:t>
-            </a:r>
-            <a:r>
-              <a:rPr lang="fr-FR" sz="3200" dirty="0" smtClean="0"/>
-              <a:t>Entrepôt de données</a:t>
+              <a:t> Entrepôt de données</a:t>
             </a:r>
           </a:p>
           <a:p>
@@ -6691,17 +6885,13 @@
             </a:r>
             <a:r>
               <a:rPr lang="fr-FR" sz="3200" dirty="0"/>
-              <a:t> </a:t>
-            </a:r>
-            <a:r>
-              <a:rPr lang="fr-FR" sz="3200" dirty="0" smtClean="0"/>
-              <a:t>Web application </a:t>
-            </a:r>
-            <a:r>
-              <a:rPr lang="fr-FR" sz="3200" dirty="0" err="1" smtClean="0"/>
+              <a:t> Web application </a:t>
+            </a:r>
+            <a:r>
+              <a:rPr lang="fr-FR" sz="3200" dirty="0" err="1"/>
               <a:t>Streamlit</a:t>
             </a:r>
-            <a:endParaRPr lang="fr-FR" sz="3200" dirty="0" smtClean="0"/>
+            <a:endParaRPr lang="fr-FR" sz="3200" dirty="0"/>
           </a:p>
           <a:p>
             <a:pPr>
@@ -6718,10 +6908,10 @@
               <a:t> </a:t>
             </a:r>
             <a:r>
-              <a:rPr lang="fr-FR" sz="3200" dirty="0" err="1" smtClean="0"/>
+              <a:rPr lang="fr-FR" sz="3200" dirty="0" err="1"/>
               <a:t>Dockerisation</a:t>
             </a:r>
-            <a:endParaRPr lang="fr-FR" sz="3200" dirty="0" smtClean="0"/>
+            <a:endParaRPr lang="fr-FR" sz="3200" dirty="0"/>
           </a:p>
           <a:p>
             <a:pPr>
@@ -6735,11 +6925,7 @@
             </a:r>
             <a:r>
               <a:rPr lang="fr-FR" sz="3200" dirty="0"/>
-              <a:t> </a:t>
-            </a:r>
-            <a:r>
-              <a:rPr lang="fr-FR" sz="3200" dirty="0" smtClean="0"/>
-              <a:t>Analyses</a:t>
+              <a:t> Analyses</a:t>
             </a:r>
           </a:p>
           <a:p>
@@ -6754,13 +6940,8 @@
             </a:r>
             <a:r>
               <a:rPr lang="fr-FR" sz="3200" dirty="0"/>
-              <a:t> </a:t>
-            </a:r>
-            <a:r>
-              <a:rPr lang="fr-FR" sz="3200" dirty="0" smtClean="0"/>
-              <a:t>Bilan critique</a:t>
-            </a:r>
-            <a:endParaRPr lang="fr-FR" sz="3200" dirty="0"/>
+              <a:t> Bilan critique</a:t>
+            </a:r>
           </a:p>
         </p:txBody>
       </p:sp>
@@ -6885,13 +7066,6 @@
       </p:transition>
     </mc:Fallback>
   </mc:AlternateContent>
-  <p:timing>
-    <p:tnLst>
-      <p:par>
-        <p:cTn id="1" dur="indefinite" restart="never" nodeType="tmRoot"/>
-      </p:par>
-    </p:tnLst>
-  </p:timing>
 </p:sld>
 </file>
 
@@ -7163,7 +7337,7 @@
           <a:lstStyle/>
           <a:p>
             <a:r>
-              <a:rPr lang="fr-FR" sz="6000" dirty="0" smtClean="0">
+              <a:rPr lang="fr-FR" sz="6000" dirty="0">
                 <a:solidFill>
                   <a:schemeClr val="bg1"/>
                 </a:solidFill>
@@ -7172,13 +7346,6 @@
               </a:rPr>
               <a:t>Entrepôt de données</a:t>
             </a:r>
-            <a:endParaRPr lang="fr-FR" sz="6000" dirty="0">
-              <a:solidFill>
-                <a:schemeClr val="bg1"/>
-              </a:solidFill>
-              <a:latin typeface="Bahnschrift SemiLight" panose="020B0502040204020203" pitchFamily="34" charset="0"/>
-              <a:cs typeface="Cascadia Mono Light" panose="020B0609020000020004" pitchFamily="49" charset="0"/>
-            </a:endParaRPr>
           </a:p>
         </p:txBody>
       </p:sp>
@@ -7246,10 +7413,9 @@
           <a:p>
             <a:pPr algn="ctr"/>
             <a:r>
-              <a:rPr lang="fr-FR" sz="3200" dirty="0" smtClean="0"/>
+              <a:rPr lang="fr-FR" sz="3200" dirty="0"/>
               <a:t>France Travail</a:t>
             </a:r>
-            <a:endParaRPr lang="fr-FR" sz="3200" dirty="0"/>
           </a:p>
         </p:txBody>
       </p:sp>
@@ -7277,14 +7443,13 @@
           <a:p>
             <a:pPr algn="ctr"/>
             <a:r>
-              <a:rPr lang="fr-FR" sz="3200" dirty="0" err="1" smtClean="0"/>
+              <a:rPr lang="fr-FR" sz="3200" dirty="0" err="1"/>
               <a:t>Welcome</a:t>
             </a:r>
             <a:r>
-              <a:rPr lang="fr-FR" sz="3200" dirty="0" smtClean="0"/>
+              <a:rPr lang="fr-FR" sz="3200" dirty="0"/>
               <a:t> to the Jungle</a:t>
             </a:r>
-            <a:endParaRPr lang="fr-FR" sz="3200" dirty="0"/>
           </a:p>
         </p:txBody>
       </p:sp>
@@ -7318,7 +7483,7 @@
               <a:buChar char="-"/>
             </a:pPr>
             <a:r>
-              <a:rPr lang="fr-FR" sz="2800" dirty="0" smtClean="0"/>
+              <a:rPr lang="fr-FR" sz="2800" dirty="0"/>
               <a:t>Données structurées</a:t>
             </a:r>
           </a:p>
@@ -7331,7 +7496,7 @@
               <a:buChar char="-"/>
             </a:pPr>
             <a:r>
-              <a:rPr lang="fr-FR" sz="2800" dirty="0" smtClean="0"/>
+              <a:rPr lang="fr-FR" sz="2800" dirty="0"/>
               <a:t>API OAuth2</a:t>
             </a:r>
           </a:p>
@@ -7344,7 +7509,7 @@
               <a:buChar char="-"/>
             </a:pPr>
             <a:r>
-              <a:rPr lang="fr-FR" sz="2800" dirty="0" smtClean="0"/>
+              <a:rPr lang="fr-FR" sz="2800" dirty="0"/>
               <a:t>Limite de 3000 offres/requête</a:t>
             </a:r>
           </a:p>
@@ -7357,7 +7522,7 @@
               <a:buChar char="-"/>
             </a:pPr>
             <a:r>
-              <a:rPr lang="fr-FR" sz="2800" dirty="0" smtClean="0"/>
+              <a:rPr lang="fr-FR" sz="2800" dirty="0"/>
               <a:t>Coordonnées fournies</a:t>
             </a:r>
           </a:p>
@@ -7393,22 +7558,22 @@
               <a:buChar char="-"/>
             </a:pPr>
             <a:r>
-              <a:rPr lang="fr-FR" sz="2800" dirty="0" smtClean="0"/>
+              <a:rPr lang="fr-FR" sz="2800" dirty="0"/>
               <a:t>Web </a:t>
             </a:r>
             <a:r>
-              <a:rPr lang="fr-FR" sz="2800" dirty="0" err="1" smtClean="0"/>
+              <a:rPr lang="fr-FR" sz="2800" dirty="0" err="1"/>
               <a:t>Scraping</a:t>
             </a:r>
             <a:r>
-              <a:rPr lang="fr-FR" sz="2800" dirty="0" smtClean="0"/>
+              <a:rPr lang="fr-FR" sz="2800" dirty="0"/>
               <a:t> </a:t>
             </a:r>
             <a:r>
-              <a:rPr lang="fr-FR" sz="2800" dirty="0" err="1" smtClean="0"/>
+              <a:rPr lang="fr-FR" sz="2800" dirty="0" err="1"/>
               <a:t>Selenium</a:t>
             </a:r>
-            <a:endParaRPr lang="fr-FR" sz="2800" dirty="0" smtClean="0"/>
+            <a:endParaRPr lang="fr-FR" sz="2800" dirty="0"/>
           </a:p>
           <a:p>
             <a:pPr marL="285750" indent="-285750">
@@ -7419,7 +7584,7 @@
               <a:buChar char="-"/>
             </a:pPr>
             <a:r>
-              <a:rPr lang="fr-FR" sz="2800" dirty="0" smtClean="0"/>
+              <a:rPr lang="fr-FR" sz="2800" dirty="0"/>
               <a:t>Aucune</a:t>
             </a:r>
           </a:p>
@@ -7432,7 +7597,7 @@
               <a:buChar char="-"/>
             </a:pPr>
             <a:r>
-              <a:rPr lang="fr-FR" sz="2800" dirty="0" smtClean="0"/>
+              <a:rPr lang="fr-FR" sz="2800" dirty="0"/>
               <a:t>Dépend du scrolling infini (environ 500 offres)</a:t>
             </a:r>
           </a:p>
@@ -7445,7 +7610,7 @@
               <a:buChar char="-"/>
             </a:pPr>
             <a:r>
-              <a:rPr lang="fr-FR" sz="2800" dirty="0" smtClean="0"/>
+              <a:rPr lang="fr-FR" sz="2800" dirty="0"/>
               <a:t>Géocodage nécessaire</a:t>
             </a:r>
           </a:p>
@@ -7496,13 +7661,6 @@
       </p:transition>
     </mc:Fallback>
   </mc:AlternateContent>
-  <p:timing>
-    <p:tnLst>
-      <p:par>
-        <p:cTn id="1" dur="indefinite" restart="never" nodeType="tmRoot"/>
-      </p:par>
-    </p:tnLst>
-  </p:timing>
 </p:sld>
 </file>
 
@@ -7633,7 +7791,7 @@
           <a:lstStyle/>
           <a:p>
             <a:r>
-              <a:rPr lang="fr-FR" sz="6000" dirty="0" smtClean="0">
+              <a:rPr lang="fr-FR" sz="6000" dirty="0">
                 <a:solidFill>
                   <a:schemeClr val="bg1"/>
                 </a:solidFill>
@@ -7642,13 +7800,6 @@
               </a:rPr>
               <a:t>Entrepôt de données</a:t>
             </a:r>
-            <a:endParaRPr lang="fr-FR" sz="6000" dirty="0">
-              <a:solidFill>
-                <a:schemeClr val="bg1"/>
-              </a:solidFill>
-              <a:latin typeface="Bahnschrift SemiLight" panose="020B0502040204020203" pitchFamily="34" charset="0"/>
-              <a:cs typeface="Cascadia Mono Light" panose="020B0609020000020004" pitchFamily="49" charset="0"/>
-            </a:endParaRPr>
           </a:p>
         </p:txBody>
       </p:sp>
@@ -7710,7 +7861,7 @@
           <a:lstStyle/>
           <a:p>
             <a:r>
-              <a:rPr lang="fr-FR" sz="6000" dirty="0" smtClean="0">
+              <a:rPr lang="fr-FR" sz="6000" dirty="0">
                 <a:solidFill>
                   <a:schemeClr val="bg1"/>
                 </a:solidFill>
@@ -7720,7 +7871,7 @@
               <a:t>Web </a:t>
             </a:r>
             <a:r>
-              <a:rPr lang="fr-FR" sz="6000" dirty="0" err="1" smtClean="0">
+              <a:rPr lang="fr-FR" sz="6000" dirty="0" err="1">
                 <a:solidFill>
                   <a:schemeClr val="bg1"/>
                 </a:solidFill>
@@ -7730,7 +7881,7 @@
               <a:t>app</a:t>
             </a:r>
             <a:r>
-              <a:rPr lang="fr-FR" sz="6000" dirty="0" smtClean="0">
+              <a:rPr lang="fr-FR" sz="6000" dirty="0">
                 <a:solidFill>
                   <a:schemeClr val="bg1"/>
                 </a:solidFill>
@@ -7740,7 +7891,7 @@
               <a:t>. </a:t>
             </a:r>
             <a:r>
-              <a:rPr lang="fr-FR" sz="6000" dirty="0" err="1" smtClean="0">
+              <a:rPr lang="fr-FR" sz="6000" dirty="0" err="1">
                 <a:solidFill>
                   <a:schemeClr val="bg1"/>
                 </a:solidFill>
@@ -7833,22 +7984,22 @@
               </a:lnSpc>
             </a:pPr>
             <a:r>
-              <a:rPr lang="fr-FR" dirty="0" smtClean="0"/>
+              <a:rPr lang="fr-FR" dirty="0"/>
               <a:t>- Base de données </a:t>
             </a:r>
             <a:r>
-              <a:rPr lang="fr-FR" b="1" dirty="0" err="1" smtClean="0"/>
+              <a:rPr lang="fr-FR" b="1" dirty="0" err="1"/>
               <a:t>Supabase</a:t>
             </a:r>
             <a:r>
-              <a:rPr lang="fr-FR" b="1" dirty="0" smtClean="0"/>
+              <a:rPr lang="fr-FR" b="1" dirty="0"/>
               <a:t> </a:t>
             </a:r>
             <a:r>
-              <a:rPr lang="fr-FR" dirty="0" smtClean="0"/>
+              <a:rPr lang="fr-FR" dirty="0"/>
               <a:t>(PostgreSQL)</a:t>
             </a:r>
-            <a:endParaRPr lang="fr-FR" b="1" dirty="0" smtClean="0"/>
+            <a:endParaRPr lang="fr-FR" b="1" dirty="0"/>
           </a:p>
           <a:p>
             <a:pPr>
@@ -7857,7 +8008,7 @@
               </a:lnSpc>
             </a:pPr>
             <a:r>
-              <a:rPr lang="fr-FR" dirty="0" smtClean="0"/>
+              <a:rPr lang="fr-FR" dirty="0"/>
               <a:t>- Modèle en étoile </a:t>
             </a:r>
           </a:p>
@@ -7868,7 +8019,7 @@
               </a:lnSpc>
             </a:pPr>
             <a:r>
-              <a:rPr lang="fr-FR" dirty="0" smtClean="0"/>
+              <a:rPr lang="fr-FR" dirty="0"/>
               <a:t>- dimensions :</a:t>
             </a:r>
           </a:p>
@@ -7879,7 +8030,7 @@
               </a:lnSpc>
             </a:pPr>
             <a:r>
-              <a:rPr lang="fr-FR" dirty="0" smtClean="0"/>
+              <a:rPr lang="fr-FR" dirty="0"/>
               <a:t>Topics,</a:t>
             </a:r>
           </a:p>
@@ -7890,11 +8041,11 @@
               </a:lnSpc>
             </a:pPr>
             <a:r>
-              <a:rPr lang="fr-FR" dirty="0" err="1" smtClean="0"/>
+              <a:rPr lang="fr-FR" dirty="0" err="1"/>
               <a:t>Skills</a:t>
             </a:r>
             <a:r>
-              <a:rPr lang="fr-FR" dirty="0" smtClean="0"/>
+              <a:rPr lang="fr-FR" dirty="0"/>
               <a:t>, </a:t>
             </a:r>
           </a:p>
@@ -7905,7 +8056,7 @@
               </a:lnSpc>
             </a:pPr>
             <a:r>
-              <a:rPr lang="fr-FR" dirty="0" smtClean="0"/>
+              <a:rPr lang="fr-FR" dirty="0"/>
               <a:t>Sources,</a:t>
             </a:r>
           </a:p>
@@ -7916,7 +8067,7 @@
               </a:lnSpc>
             </a:pPr>
             <a:r>
-              <a:rPr lang="fr-FR" dirty="0" smtClean="0"/>
+              <a:rPr lang="fr-FR" dirty="0"/>
               <a:t>Temps,</a:t>
             </a:r>
           </a:p>
@@ -7927,7 +8078,7 @@
               </a:lnSpc>
             </a:pPr>
             <a:r>
-              <a:rPr lang="fr-FR" dirty="0" smtClean="0"/>
+              <a:rPr lang="fr-FR" dirty="0"/>
               <a:t>Localisation,</a:t>
             </a:r>
           </a:p>
@@ -7938,7 +8089,7 @@
               </a:lnSpc>
             </a:pPr>
             <a:r>
-              <a:rPr lang="fr-FR" dirty="0" smtClean="0"/>
+              <a:rPr lang="fr-FR" dirty="0"/>
               <a:t>Catégorie métier</a:t>
             </a:r>
           </a:p>
@@ -7997,13 +8148,6 @@
       </p:transition>
     </mc:Fallback>
   </mc:AlternateContent>
-  <p:timing>
-    <p:tnLst>
-      <p:par>
-        <p:cTn id="1" dur="indefinite" restart="never" nodeType="tmRoot"/>
-      </p:par>
-    </p:tnLst>
-  </p:timing>
 </p:sld>
 </file>
 
@@ -8134,7 +8278,7 @@
           <a:lstStyle/>
           <a:p>
             <a:r>
-              <a:rPr lang="fr-FR" sz="6000" dirty="0" smtClean="0">
+              <a:rPr lang="fr-FR" sz="6000" dirty="0">
                 <a:solidFill>
                   <a:schemeClr val="bg1"/>
                 </a:solidFill>
@@ -8143,13 +8287,6 @@
               </a:rPr>
               <a:t>Entrepôt de données</a:t>
             </a:r>
-            <a:endParaRPr lang="fr-FR" sz="6000" dirty="0">
-              <a:solidFill>
-                <a:schemeClr val="bg1"/>
-              </a:solidFill>
-              <a:latin typeface="Bahnschrift SemiLight" panose="020B0502040204020203" pitchFamily="34" charset="0"/>
-              <a:cs typeface="Cascadia Mono Light" panose="020B0609020000020004" pitchFamily="49" charset="0"/>
-            </a:endParaRPr>
           </a:p>
         </p:txBody>
       </p:sp>
@@ -8211,7 +8348,7 @@
           <a:lstStyle/>
           <a:p>
             <a:r>
-              <a:rPr lang="fr-FR" sz="6000" dirty="0" smtClean="0">
+              <a:rPr lang="fr-FR" sz="6000" dirty="0">
                 <a:solidFill>
                   <a:schemeClr val="bg1"/>
                 </a:solidFill>
@@ -8221,7 +8358,7 @@
               <a:t>Web </a:t>
             </a:r>
             <a:r>
-              <a:rPr lang="fr-FR" sz="6000" dirty="0" err="1" smtClean="0">
+              <a:rPr lang="fr-FR" sz="6000" dirty="0" err="1">
                 <a:solidFill>
                   <a:schemeClr val="bg1"/>
                 </a:solidFill>
@@ -8231,7 +8368,7 @@
               <a:t>app</a:t>
             </a:r>
             <a:r>
-              <a:rPr lang="fr-FR" sz="6000" dirty="0" smtClean="0">
+              <a:rPr lang="fr-FR" sz="6000" dirty="0">
                 <a:solidFill>
                   <a:schemeClr val="bg1"/>
                 </a:solidFill>
@@ -8241,7 +8378,7 @@
               <a:t>. </a:t>
             </a:r>
             <a:r>
-              <a:rPr lang="fr-FR" sz="6000" dirty="0" err="1" smtClean="0">
+              <a:rPr lang="fr-FR" sz="6000" dirty="0" err="1">
                 <a:solidFill>
                   <a:schemeClr val="bg1"/>
                 </a:solidFill>
@@ -8295,16 +8432,12 @@
               </a:lnSpc>
             </a:pPr>
             <a:r>
-              <a:rPr lang="fr-FR" sz="2400" dirty="0" smtClean="0">
+              <a:rPr lang="fr-FR" sz="2400" dirty="0">
                 <a:latin typeface="Cambria Math" panose="02040503050406030204" pitchFamily="18" charset="0"/>
                 <a:ea typeface="Cambria Math" panose="02040503050406030204" pitchFamily="18" charset="0"/>
               </a:rPr>
               <a:t>France Travail Collector</a:t>
             </a:r>
-            <a:endParaRPr lang="fr-FR" sz="2400" dirty="0">
-              <a:latin typeface="Cambria Math" panose="02040503050406030204" pitchFamily="18" charset="0"/>
-              <a:ea typeface="Cambria Math" panose="02040503050406030204" pitchFamily="18" charset="0"/>
-            </a:endParaRPr>
           </a:p>
         </p:txBody>
       </p:sp>
@@ -8343,7 +8476,7 @@
               </a:lnSpc>
             </a:pPr>
             <a:r>
-              <a:rPr lang="fr-FR" sz="2400" dirty="0" smtClean="0">
+              <a:rPr lang="fr-FR" sz="2400" dirty="0">
                 <a:latin typeface="Cambria Math" panose="02040503050406030204" pitchFamily="18" charset="0"/>
                 <a:ea typeface="Cambria Math" panose="02040503050406030204" pitchFamily="18" charset="0"/>
               </a:rPr>
@@ -8357,16 +8490,12 @@
               </a:lnSpc>
             </a:pPr>
             <a:r>
-              <a:rPr lang="fr-FR" sz="2400" dirty="0" smtClean="0">
+              <a:rPr lang="fr-FR" sz="2400" dirty="0">
                 <a:latin typeface="Cambria Math" panose="02040503050406030204" pitchFamily="18" charset="0"/>
                 <a:ea typeface="Cambria Math" panose="02040503050406030204" pitchFamily="18" charset="0"/>
               </a:rPr>
               <a:t>Collector</a:t>
             </a:r>
-            <a:endParaRPr lang="fr-FR" sz="2400" dirty="0">
-              <a:latin typeface="Cambria Math" panose="02040503050406030204" pitchFamily="18" charset="0"/>
-              <a:ea typeface="Cambria Math" panose="02040503050406030204" pitchFamily="18" charset="0"/>
-            </a:endParaRPr>
           </a:p>
         </p:txBody>
       </p:sp>
@@ -8405,16 +8534,12 @@
               </a:lnSpc>
             </a:pPr>
             <a:r>
-              <a:rPr lang="fr-FR" sz="2400" dirty="0" smtClean="0">
+              <a:rPr lang="fr-FR" sz="2400" dirty="0">
                 <a:latin typeface="Cambria Math" panose="02040503050406030204" pitchFamily="18" charset="0"/>
                 <a:ea typeface="Cambria Math" panose="02040503050406030204" pitchFamily="18" charset="0"/>
               </a:rPr>
               <a:t>Pipeline NLP</a:t>
             </a:r>
-            <a:endParaRPr lang="fr-FR" sz="2400" dirty="0">
-              <a:latin typeface="Cambria Math" panose="02040503050406030204" pitchFamily="18" charset="0"/>
-              <a:ea typeface="Cambria Math" panose="02040503050406030204" pitchFamily="18" charset="0"/>
-            </a:endParaRPr>
           </a:p>
         </p:txBody>
       </p:sp>
@@ -8453,13 +8578,13 @@
               </a:lnSpc>
             </a:pPr>
             <a:r>
-              <a:rPr lang="fr-FR" sz="2400" dirty="0" err="1" smtClean="0">
+              <a:rPr lang="fr-FR" sz="2400" dirty="0" err="1">
                 <a:latin typeface="Cambria Math" panose="02040503050406030204" pitchFamily="18" charset="0"/>
                 <a:ea typeface="Cambria Math" panose="02040503050406030204" pitchFamily="18" charset="0"/>
               </a:rPr>
               <a:t>Supabase</a:t>
             </a:r>
-            <a:endParaRPr lang="fr-FR" sz="2400" dirty="0" smtClean="0">
+            <a:endParaRPr lang="fr-FR" sz="2400" dirty="0">
               <a:latin typeface="Cambria Math" panose="02040503050406030204" pitchFamily="18" charset="0"/>
               <a:ea typeface="Cambria Math" panose="02040503050406030204" pitchFamily="18" charset="0"/>
             </a:endParaRPr>
@@ -8471,16 +8596,12 @@
               </a:lnSpc>
             </a:pPr>
             <a:r>
-              <a:rPr lang="fr-FR" sz="2400" dirty="0" smtClean="0">
+              <a:rPr lang="fr-FR" sz="2400" dirty="0">
                 <a:latin typeface="Cambria Math" panose="02040503050406030204" pitchFamily="18" charset="0"/>
                 <a:ea typeface="Cambria Math" panose="02040503050406030204" pitchFamily="18" charset="0"/>
               </a:rPr>
               <a:t>Base de données</a:t>
             </a:r>
-            <a:endParaRPr lang="fr-FR" sz="2400" dirty="0">
-              <a:latin typeface="Cambria Math" panose="02040503050406030204" pitchFamily="18" charset="0"/>
-              <a:ea typeface="Cambria Math" panose="02040503050406030204" pitchFamily="18" charset="0"/>
-            </a:endParaRPr>
           </a:p>
         </p:txBody>
       </p:sp>
@@ -8625,11 +8746,7 @@
           <a:p>
             <a:r>
               <a:rPr lang="fr-FR" sz="2400" dirty="0"/>
-              <a:t>Risques pour la </a:t>
-            </a:r>
-            <a:r>
-              <a:rPr lang="fr-FR" sz="2400" dirty="0" smtClean="0"/>
-              <a:t>pérennité :</a:t>
+              <a:t>Risques pour la pérennité :</a:t>
             </a:r>
           </a:p>
           <a:p>
@@ -8638,7 +8755,7 @@
               <a:buChar char="-"/>
             </a:pPr>
             <a:r>
-              <a:rPr lang="fr-FR" sz="2400" dirty="0" smtClean="0"/>
+              <a:rPr lang="fr-FR" sz="2400" dirty="0"/>
               <a:t>Changement de l’API</a:t>
             </a:r>
           </a:p>
@@ -8648,14 +8765,14 @@
               <a:buChar char="-"/>
             </a:pPr>
             <a:r>
-              <a:rPr lang="fr-FR" sz="2400" dirty="0" smtClean="0"/>
+              <a:rPr lang="fr-FR" sz="2400" dirty="0"/>
               <a:t>WTTJ peut bloquer le </a:t>
             </a:r>
             <a:r>
-              <a:rPr lang="fr-FR" sz="2400" dirty="0" err="1" smtClean="0"/>
+              <a:rPr lang="fr-FR" sz="2400" dirty="0" err="1"/>
               <a:t>scraping</a:t>
             </a:r>
-            <a:endParaRPr lang="fr-FR" sz="2400" dirty="0" smtClean="0"/>
+            <a:endParaRPr lang="fr-FR" sz="2400" dirty="0"/>
           </a:p>
           <a:p>
             <a:pPr marL="285750" indent="-285750">
@@ -8663,22 +8780,22 @@
               <a:buChar char="-"/>
             </a:pPr>
             <a:r>
-              <a:rPr lang="fr-FR" sz="2400" dirty="0" smtClean="0"/>
+              <a:rPr lang="fr-FR" sz="2400" dirty="0"/>
               <a:t>Coûts pour </a:t>
             </a:r>
             <a:r>
-              <a:rPr lang="fr-FR" sz="2400" dirty="0" err="1" smtClean="0"/>
+              <a:rPr lang="fr-FR" sz="2400" dirty="0" err="1"/>
               <a:t>Supabase</a:t>
             </a:r>
             <a:r>
-              <a:rPr lang="fr-FR" sz="2400" dirty="0" smtClean="0"/>
+              <a:rPr lang="fr-FR" sz="2400" dirty="0"/>
               <a:t> pour </a:t>
             </a:r>
             <a:r>
-              <a:rPr lang="fr-FR" sz="2400" dirty="0" err="1" smtClean="0"/>
+              <a:rPr lang="fr-FR" sz="2400" dirty="0" err="1"/>
               <a:t>scale</a:t>
             </a:r>
-            <a:endParaRPr lang="fr-FR" sz="2400" dirty="0" smtClean="0"/>
+            <a:endParaRPr lang="fr-FR" sz="2400" dirty="0"/>
           </a:p>
         </p:txBody>
       </p:sp>
@@ -8741,10 +8858,9 @@
           <a:p>
             <a:pPr algn="ctr"/>
             <a:r>
-              <a:rPr lang="fr-FR" dirty="0" smtClean="0"/>
+              <a:rPr lang="fr-FR" dirty="0"/>
               <a:t>Pipeline d’alimentation de la base de données</a:t>
             </a:r>
-            <a:endParaRPr lang="fr-FR" dirty="0"/>
           </a:p>
         </p:txBody>
       </p:sp>
@@ -8771,7 +8887,7 @@
           <a:lstStyle/>
           <a:p>
             <a:r>
-              <a:rPr lang="fr-FR" sz="2400" dirty="0" smtClean="0"/>
+              <a:rPr lang="fr-FR" sz="2400" dirty="0"/>
               <a:t>Atouts :</a:t>
             </a:r>
           </a:p>
@@ -8781,15 +8897,15 @@
               <a:buChar char="-"/>
             </a:pPr>
             <a:r>
-              <a:rPr lang="fr-FR" sz="2400" dirty="0" smtClean="0"/>
+              <a:rPr lang="fr-FR" sz="2400" dirty="0"/>
               <a:t>Sauvegarde locale (</a:t>
             </a:r>
             <a:r>
-              <a:rPr lang="fr-FR" sz="2400" dirty="0" err="1" smtClean="0"/>
+              <a:rPr lang="fr-FR" sz="2400" dirty="0" err="1"/>
               <a:t>dédoublonage</a:t>
             </a:r>
             <a:r>
-              <a:rPr lang="fr-FR" sz="2400" dirty="0" smtClean="0"/>
+              <a:rPr lang="fr-FR" sz="2400" dirty="0"/>
               <a:t>)</a:t>
             </a:r>
           </a:p>
@@ -8799,7 +8915,7 @@
               <a:buChar char="-"/>
             </a:pPr>
             <a:r>
-              <a:rPr lang="fr-FR" sz="2400" dirty="0" smtClean="0"/>
+              <a:rPr lang="fr-FR" sz="2400" dirty="0"/>
               <a:t>Enrichissement NLP</a:t>
             </a:r>
           </a:p>
@@ -8809,7 +8925,7 @@
               <a:buChar char="-"/>
             </a:pPr>
             <a:r>
-              <a:rPr lang="fr-FR" sz="2400" dirty="0" smtClean="0"/>
+              <a:rPr lang="fr-FR" sz="2400" dirty="0"/>
               <a:t>Coordonnées GPS géocodés si non disponibles</a:t>
             </a:r>
           </a:p>
@@ -8819,7 +8935,7 @@
               <a:buChar char="-"/>
             </a:pPr>
             <a:r>
-              <a:rPr lang="fr-FR" sz="2400" dirty="0" smtClean="0"/>
+              <a:rPr lang="fr-FR" sz="2400" dirty="0"/>
               <a:t>Détection des doublons</a:t>
             </a:r>
           </a:p>
@@ -8829,7 +8945,7 @@
               <a:buChar char="-"/>
             </a:pPr>
             <a:r>
-              <a:rPr lang="fr-FR" sz="2400" dirty="0" smtClean="0"/>
+              <a:rPr lang="fr-FR" sz="2400" dirty="0"/>
               <a:t>Bonne gestion des vecteurs par PostgreSQL</a:t>
             </a:r>
           </a:p>
@@ -8880,13 +8996,6 @@
       </p:transition>
     </mc:Fallback>
   </mc:AlternateContent>
-  <p:timing>
-    <p:tnLst>
-      <p:par>
-        <p:cTn id="1" dur="indefinite" restart="never" nodeType="tmRoot"/>
-      </p:par>
-    </p:tnLst>
-  </p:timing>
 </p:sld>
 </file>
 
@@ -9017,7 +9126,7 @@
           <a:lstStyle/>
           <a:p>
             <a:r>
-              <a:rPr lang="fr-FR" sz="6000" dirty="0" smtClean="0">
+              <a:rPr lang="fr-FR" sz="6000" dirty="0">
                 <a:solidFill>
                   <a:schemeClr val="bg1"/>
                 </a:solidFill>
@@ -9027,7 +9136,7 @@
               <a:t>Web </a:t>
             </a:r>
             <a:r>
-              <a:rPr lang="fr-FR" sz="6000" dirty="0" err="1" smtClean="0">
+              <a:rPr lang="fr-FR" sz="6000" dirty="0" err="1">
                 <a:solidFill>
                   <a:schemeClr val="bg1"/>
                 </a:solidFill>
@@ -9037,7 +9146,7 @@
               <a:t>app</a:t>
             </a:r>
             <a:r>
-              <a:rPr lang="fr-FR" sz="6000" dirty="0" smtClean="0">
+              <a:rPr lang="fr-FR" sz="6000" dirty="0">
                 <a:solidFill>
                   <a:schemeClr val="bg1"/>
                 </a:solidFill>
@@ -9047,7 +9156,7 @@
               <a:t>. </a:t>
             </a:r>
             <a:r>
-              <a:rPr lang="fr-FR" sz="6000" dirty="0" err="1" smtClean="0">
+              <a:rPr lang="fr-FR" sz="6000" dirty="0" err="1">
                 <a:solidFill>
                   <a:schemeClr val="bg1"/>
                 </a:solidFill>
@@ -9089,7 +9198,7 @@
           <a:lstStyle/>
           <a:p>
             <a:r>
-              <a:rPr lang="fr-FR" sz="6000" dirty="0" smtClean="0">
+              <a:rPr lang="fr-FR" sz="6000" dirty="0">
                 <a:solidFill>
                   <a:schemeClr val="bg1"/>
                 </a:solidFill>
@@ -9098,13 +9207,6 @@
               </a:rPr>
               <a:t>Entrepôt de données</a:t>
             </a:r>
-            <a:endParaRPr lang="fr-FR" sz="6000" dirty="0">
-              <a:solidFill>
-                <a:schemeClr val="bg1"/>
-              </a:solidFill>
-              <a:latin typeface="Bahnschrift SemiLight" panose="020B0502040204020203" pitchFamily="34" charset="0"/>
-              <a:cs typeface="Cascadia Mono Light" panose="020B0609020000020004" pitchFamily="49" charset="0"/>
-            </a:endParaRPr>
           </a:p>
         </p:txBody>
       </p:sp>
@@ -9131,7 +9233,7 @@
           <a:lstStyle/>
           <a:p>
             <a:r>
-              <a:rPr lang="fr-FR" sz="6000" dirty="0" err="1" smtClean="0">
+              <a:rPr lang="fr-FR" sz="6000" dirty="0" err="1">
                 <a:solidFill>
                   <a:schemeClr val="bg1"/>
                 </a:solidFill>
@@ -9202,38 +9304,30 @@
           <a:lstStyle/>
           <a:p>
             <a:r>
-              <a:rPr lang="fr-FR" sz="2000" b="1" dirty="0" smtClean="0"/>
+              <a:rPr lang="fr-FR" sz="2000" b="1" dirty="0"/>
               <a:t>Dashboard</a:t>
             </a:r>
             <a:r>
-              <a:rPr lang="fr-FR" sz="2000" dirty="0" smtClean="0"/>
+              <a:rPr lang="fr-FR" sz="2000" dirty="0"/>
               <a:t> : </a:t>
             </a:r>
             <a:r>
-              <a:rPr lang="fr-FR" sz="2000" dirty="0" err="1" smtClean="0"/>
+              <a:rPr lang="fr-FR" sz="2000" dirty="0" err="1"/>
               <a:t>KPIs</a:t>
             </a:r>
             <a:r>
-              <a:rPr lang="fr-FR" sz="2000" dirty="0" smtClean="0"/>
-              <a:t> </a:t>
-            </a:r>
-            <a:r>
               <a:rPr lang="fr-FR" sz="2000" dirty="0"/>
-              <a:t>principaux, répartition par source/contrat</a:t>
-            </a:r>
-          </a:p>
-          <a:p>
-            <a:r>
-              <a:rPr lang="fr-FR" sz="2000" b="1" dirty="0" smtClean="0"/>
+              <a:t> principaux, répartition par source/contrat</a:t>
+            </a:r>
+          </a:p>
+          <a:p>
+            <a:r>
+              <a:rPr lang="fr-FR" sz="2000" b="1" dirty="0"/>
               <a:t>Carte</a:t>
             </a:r>
             <a:r>
-              <a:rPr lang="fr-FR" sz="2000" dirty="0" smtClean="0"/>
-              <a:t> : Visualisation </a:t>
-            </a:r>
-            <a:r>
               <a:rPr lang="fr-FR" sz="2000" dirty="0"/>
-              <a:t>géographique des offres (</a:t>
+              <a:t> : Visualisation géographique des offres (</a:t>
             </a:r>
             <a:r>
               <a:rPr lang="fr-FR" sz="2000" dirty="0" err="1"/>
@@ -9246,16 +9340,12 @@
           </a:p>
           <a:p>
             <a:r>
-              <a:rPr lang="fr-FR" sz="2000" b="1" dirty="0" smtClean="0"/>
+              <a:rPr lang="fr-FR" sz="2000" b="1" dirty="0"/>
               <a:t>Comparaisons</a:t>
             </a:r>
             <a:r>
-              <a:rPr lang="fr-FR" sz="2000" dirty="0" smtClean="0"/>
-              <a:t> : Comparaison </a:t>
-            </a:r>
-            <a:r>
               <a:rPr lang="fr-FR" sz="2000" dirty="0"/>
-              <a:t>Data </a:t>
+              <a:t> : Comparaison Data </a:t>
             </a:r>
             <a:r>
               <a:rPr lang="fr-FR" sz="2000" dirty="0" err="1"/>
@@ -9281,30 +9371,22 @@
           </a:p>
           <a:p>
             <a:r>
-              <a:rPr lang="fr-FR" sz="2000" b="1" dirty="0" smtClean="0"/>
+              <a:rPr lang="fr-FR" sz="2000" b="1" dirty="0"/>
               <a:t>Tendances</a:t>
             </a:r>
             <a:r>
-              <a:rPr lang="fr-FR" sz="2000" dirty="0" smtClean="0"/>
-              <a:t> : Évolution </a:t>
-            </a:r>
-            <a:r>
               <a:rPr lang="fr-FR" sz="2000" dirty="0"/>
-              <a:t>temporelle des offres et salaires</a:t>
-            </a:r>
-          </a:p>
-          <a:p>
-            <a:r>
-              <a:rPr lang="fr-FR" sz="2000" b="1" dirty="0" smtClean="0"/>
+              <a:t> : Évolution temporelle des offres et salaires</a:t>
+            </a:r>
+          </a:p>
+          <a:p>
+            <a:r>
+              <a:rPr lang="fr-FR" sz="2000" b="1" dirty="0"/>
               <a:t>Administration</a:t>
             </a:r>
             <a:r>
-              <a:rPr lang="fr-FR" sz="2000" dirty="0" smtClean="0"/>
-              <a:t> : Lancement </a:t>
-            </a:r>
-            <a:r>
               <a:rPr lang="fr-FR" sz="2000" dirty="0"/>
-              <a:t>manuel de la collecte, enrichissement NLP</a:t>
+              <a:t> : Lancement manuel de la collecte, enrichissement NLP</a:t>
             </a:r>
           </a:p>
         </p:txBody>
@@ -9344,20 +9426,20 @@
               </a:lnSpc>
             </a:pPr>
             <a:r>
-              <a:rPr lang="fr-FR" sz="2400" dirty="0" smtClean="0">
+              <a:rPr lang="fr-FR" sz="2400" dirty="0">
                 <a:latin typeface="Cambria Math" panose="02040503050406030204" pitchFamily="18" charset="0"/>
                 <a:ea typeface="Cambria Math" panose="02040503050406030204" pitchFamily="18" charset="0"/>
               </a:rPr>
               <a:t>Front</a:t>
             </a:r>
             <a:br>
-              <a:rPr lang="fr-FR" sz="2400" dirty="0" smtClean="0">
+              <a:rPr lang="fr-FR" sz="2400" dirty="0">
                 <a:latin typeface="Cambria Math" panose="02040503050406030204" pitchFamily="18" charset="0"/>
                 <a:ea typeface="Cambria Math" panose="02040503050406030204" pitchFamily="18" charset="0"/>
               </a:rPr>
             </a:br>
             <a:r>
-              <a:rPr lang="fr-FR" sz="2400" dirty="0" err="1" smtClean="0">
+              <a:rPr lang="fr-FR" sz="2400" dirty="0" err="1">
                 <a:latin typeface="Cambria Math" panose="02040503050406030204" pitchFamily="18" charset="0"/>
                 <a:ea typeface="Cambria Math" panose="02040503050406030204" pitchFamily="18" charset="0"/>
               </a:rPr>
@@ -9405,13 +9487,13 @@
               </a:lnSpc>
             </a:pPr>
             <a:r>
-              <a:rPr lang="fr-FR" sz="2400" dirty="0" err="1" smtClean="0">
+              <a:rPr lang="fr-FR" sz="2400" dirty="0" err="1">
                 <a:latin typeface="Cambria Math" panose="02040503050406030204" pitchFamily="18" charset="0"/>
                 <a:ea typeface="Cambria Math" panose="02040503050406030204" pitchFamily="18" charset="0"/>
               </a:rPr>
               <a:t>BackEnd</a:t>
             </a:r>
-            <a:endParaRPr lang="fr-FR" sz="2400" dirty="0" smtClean="0">
+            <a:endParaRPr lang="fr-FR" sz="2400" dirty="0">
               <a:latin typeface="Cambria Math" panose="02040503050406030204" pitchFamily="18" charset="0"/>
               <a:ea typeface="Cambria Math" panose="02040503050406030204" pitchFamily="18" charset="0"/>
             </a:endParaRPr>
@@ -9423,7 +9505,7 @@
               </a:lnSpc>
             </a:pPr>
             <a:r>
-              <a:rPr lang="fr-FR" sz="2400" dirty="0" err="1" smtClean="0">
+              <a:rPr lang="fr-FR" sz="2400" dirty="0" err="1">
                 <a:latin typeface="Cambria Math" panose="02040503050406030204" pitchFamily="18" charset="0"/>
                 <a:ea typeface="Cambria Math" panose="02040503050406030204" pitchFamily="18" charset="0"/>
               </a:rPr>
@@ -9471,16 +9553,12 @@
               </a:lnSpc>
             </a:pPr>
             <a:r>
-              <a:rPr lang="fr-FR" sz="2400" dirty="0" smtClean="0">
+              <a:rPr lang="fr-FR" sz="2400" dirty="0">
                 <a:latin typeface="Cambria Math" panose="02040503050406030204" pitchFamily="18" charset="0"/>
                 <a:ea typeface="Cambria Math" panose="02040503050406030204" pitchFamily="18" charset="0"/>
               </a:rPr>
               <a:t>Base de données</a:t>
             </a:r>
-            <a:endParaRPr lang="fr-FR" sz="2400" dirty="0">
-              <a:latin typeface="Cambria Math" panose="02040503050406030204" pitchFamily="18" charset="0"/>
-              <a:ea typeface="Cambria Math" panose="02040503050406030204" pitchFamily="18" charset="0"/>
-            </a:endParaRPr>
           </a:p>
         </p:txBody>
       </p:sp>
@@ -9644,13 +9722,6 @@
       </p:transition>
     </mc:Fallback>
   </mc:AlternateContent>
-  <p:timing>
-    <p:tnLst>
-      <p:par>
-        <p:cTn id="1" dur="indefinite" restart="never" nodeType="tmRoot"/>
-      </p:par>
-    </p:tnLst>
-  </p:timing>
 </p:sld>
 </file>
 
@@ -9781,7 +9852,7 @@
           <a:lstStyle/>
           <a:p>
             <a:r>
-              <a:rPr lang="fr-FR" sz="6000" dirty="0" err="1" smtClean="0">
+              <a:rPr lang="fr-FR" sz="6000" dirty="0" err="1">
                 <a:solidFill>
                   <a:schemeClr val="bg1"/>
                 </a:solidFill>
@@ -9823,7 +9894,7 @@
           <a:lstStyle/>
           <a:p>
             <a:r>
-              <a:rPr lang="fr-FR" sz="6000" dirty="0" smtClean="0">
+              <a:rPr lang="fr-FR" sz="6000" dirty="0">
                 <a:solidFill>
                   <a:schemeClr val="bg1"/>
                 </a:solidFill>
@@ -9833,7 +9904,7 @@
               <a:t>Web </a:t>
             </a:r>
             <a:r>
-              <a:rPr lang="fr-FR" sz="6000" dirty="0" err="1" smtClean="0">
+              <a:rPr lang="fr-FR" sz="6000" dirty="0" err="1">
                 <a:solidFill>
                   <a:schemeClr val="bg1"/>
                 </a:solidFill>
@@ -9843,7 +9914,7 @@
               <a:t>app</a:t>
             </a:r>
             <a:r>
-              <a:rPr lang="fr-FR" sz="6000" dirty="0" smtClean="0">
+              <a:rPr lang="fr-FR" sz="6000" dirty="0">
                 <a:solidFill>
                   <a:schemeClr val="bg1"/>
                 </a:solidFill>
@@ -9853,7 +9924,7 @@
               <a:t>. </a:t>
             </a:r>
             <a:r>
-              <a:rPr lang="fr-FR" sz="6000" dirty="0" err="1" smtClean="0">
+              <a:rPr lang="fr-FR" sz="6000" dirty="0" err="1">
                 <a:solidFill>
                   <a:schemeClr val="bg1"/>
                 </a:solidFill>
@@ -9973,10 +10044,9 @@
           <a:lstStyle/>
           <a:p>
             <a:r>
-              <a:rPr lang="fr-FR" dirty="0" smtClean="0"/>
+              <a:rPr lang="fr-FR" dirty="0"/>
               <a:t>Docker conteneur</a:t>
             </a:r>
-            <a:endParaRPr lang="fr-FR" dirty="0"/>
           </a:p>
         </p:txBody>
       </p:sp>
@@ -10088,7 +10158,7 @@
               </a:lnSpc>
             </a:pPr>
             <a:r>
-              <a:rPr lang="fr-FR" sz="2400" dirty="0" err="1" smtClean="0">
+              <a:rPr lang="fr-FR" sz="2400" dirty="0" err="1">
                 <a:solidFill>
                   <a:schemeClr val="bg1"/>
                 </a:solidFill>
@@ -10097,7 +10167,7 @@
               </a:rPr>
               <a:t>BackEnd</a:t>
             </a:r>
-            <a:endParaRPr lang="fr-FR" sz="2400" dirty="0" smtClean="0">
+            <a:endParaRPr lang="fr-FR" sz="2400" dirty="0">
               <a:solidFill>
                 <a:schemeClr val="bg1"/>
               </a:solidFill>
@@ -10112,7 +10182,7 @@
               </a:lnSpc>
             </a:pPr>
             <a:r>
-              <a:rPr lang="fr-FR" sz="2400" dirty="0" err="1" smtClean="0">
+              <a:rPr lang="fr-FR" sz="2400" dirty="0" err="1">
                 <a:solidFill>
                   <a:schemeClr val="bg1"/>
                 </a:solidFill>
@@ -10122,7 +10192,7 @@
               <a:t>Fast</a:t>
             </a:r>
             <a:r>
-              <a:rPr lang="fr-FR" sz="2400" dirty="0" smtClean="0">
+              <a:rPr lang="fr-FR" sz="2400" dirty="0">
                 <a:solidFill>
                   <a:schemeClr val="bg1"/>
                 </a:solidFill>
@@ -10131,13 +10201,6 @@
               </a:rPr>
               <a:t> API</a:t>
             </a:r>
-            <a:endParaRPr lang="fr-FR" sz="2400" dirty="0">
-              <a:solidFill>
-                <a:schemeClr val="bg1"/>
-              </a:solidFill>
-              <a:latin typeface="Cambria Math" panose="02040503050406030204" pitchFamily="18" charset="0"/>
-              <a:ea typeface="Cambria Math" panose="02040503050406030204" pitchFamily="18" charset="0"/>
-            </a:endParaRPr>
           </a:p>
         </p:txBody>
       </p:sp>
@@ -10185,13 +10248,6 @@
               </a:rPr>
               <a:t>Navigateur internet</a:t>
             </a:r>
-            <a:endParaRPr lang="fr-FR" sz="2400" dirty="0">
-              <a:solidFill>
-                <a:schemeClr val="bg1"/>
-              </a:solidFill>
-              <a:latin typeface="Cambria Math" panose="02040503050406030204" pitchFamily="18" charset="0"/>
-              <a:ea typeface="Cambria Math" panose="02040503050406030204" pitchFamily="18" charset="0"/>
-            </a:endParaRPr>
           </a:p>
         </p:txBody>
       </p:sp>
@@ -10240,7 +10296,7 @@
               <a:t>Base de données </a:t>
             </a:r>
             <a:r>
-              <a:rPr lang="fr-FR" sz="2400" dirty="0" err="1" smtClean="0">
+              <a:rPr lang="fr-FR" sz="2400" dirty="0" err="1">
                 <a:solidFill>
                   <a:schemeClr val="bg1"/>
                 </a:solidFill>
@@ -10401,10 +10457,9 @@
           <a:lstStyle/>
           <a:p>
             <a:r>
-              <a:rPr lang="fr-FR" dirty="0" smtClean="0"/>
+              <a:rPr lang="fr-FR" dirty="0"/>
               <a:t>Docker image</a:t>
             </a:r>
-            <a:endParaRPr lang="fr-FR" dirty="0"/>
           </a:p>
         </p:txBody>
       </p:sp>
@@ -10431,10 +10486,9 @@
           <a:lstStyle/>
           <a:p>
             <a:r>
-              <a:rPr lang="fr-FR" dirty="0" smtClean="0"/>
+              <a:rPr lang="fr-FR" dirty="0"/>
               <a:t>Docker image</a:t>
             </a:r>
-            <a:endParaRPr lang="fr-FR" dirty="0"/>
           </a:p>
         </p:txBody>
       </p:sp>
@@ -10483,13 +10537,6 @@
       </p:transition>
     </mc:Fallback>
   </mc:AlternateContent>
-  <p:timing>
-    <p:tnLst>
-      <p:par>
-        <p:cTn id="1" dur="indefinite" restart="never" nodeType="tmRoot"/>
-      </p:par>
-    </p:tnLst>
-  </p:timing>
 </p:sld>
 </file>
 
@@ -10655,7 +10702,7 @@
           <a:lstStyle/>
           <a:p>
             <a:r>
-              <a:rPr lang="fr-FR" sz="6000" dirty="0" err="1" smtClean="0">
+              <a:rPr lang="fr-FR" sz="6000" dirty="0" err="1">
                 <a:solidFill>
                   <a:schemeClr val="bg1"/>
                 </a:solidFill>
@@ -10697,7 +10744,7 @@
           <a:lstStyle/>
           <a:p>
             <a:r>
-              <a:rPr lang="fr-FR" sz="6000" dirty="0" smtClean="0">
+              <a:rPr lang="fr-FR" sz="6000" dirty="0">
                 <a:solidFill>
                   <a:schemeClr val="bg1"/>
                 </a:solidFill>
@@ -10706,13 +10753,6 @@
               </a:rPr>
               <a:t>Bilan critique</a:t>
             </a:r>
-            <a:endParaRPr lang="fr-FR" sz="6000" dirty="0">
-              <a:solidFill>
-                <a:schemeClr val="bg1"/>
-              </a:solidFill>
-              <a:latin typeface="Bahnschrift SemiLight" panose="020B0502040204020203" pitchFamily="34" charset="0"/>
-              <a:cs typeface="Cascadia Mono Light" panose="020B0609020000020004" pitchFamily="49" charset="0"/>
-            </a:endParaRPr>
           </a:p>
         </p:txBody>
       </p:sp>
@@ -10803,31 +10843,31 @@
           <a:lstStyle/>
           <a:p>
             <a:r>
-              <a:rPr lang="fr-FR" sz="2400" b="1" dirty="0" smtClean="0"/>
+              <a:rPr lang="fr-FR" sz="2400" b="1" dirty="0"/>
               <a:t>Analyses simples : </a:t>
             </a:r>
           </a:p>
           <a:p>
             <a:r>
-              <a:rPr lang="fr-FR" sz="2400" dirty="0" smtClean="0"/>
+              <a:rPr lang="fr-FR" sz="2400" dirty="0"/>
               <a:t>- Nombre d’offres collectée</a:t>
             </a:r>
           </a:p>
           <a:p>
             <a:r>
-              <a:rPr lang="fr-FR" sz="2400" dirty="0" smtClean="0"/>
+              <a:rPr lang="fr-FR" sz="2400" dirty="0"/>
               <a:t>- Répartition par sources</a:t>
             </a:r>
           </a:p>
           <a:p>
             <a:r>
-              <a:rPr lang="fr-FR" sz="2400" dirty="0" smtClean="0"/>
+              <a:rPr lang="fr-FR" sz="2400" dirty="0"/>
               <a:t>- Répartition par types de contrat ...</a:t>
             </a:r>
           </a:p>
           <a:p>
             <a:r>
-              <a:rPr lang="fr-FR" sz="2400" b="1" dirty="0" smtClean="0"/>
+              <a:rPr lang="fr-FR" sz="2400" b="1" dirty="0"/>
               <a:t>Analyses géographiques :</a:t>
             </a:r>
           </a:p>
@@ -10837,13 +10877,13 @@
               <a:buChar char="-"/>
             </a:pPr>
             <a:r>
-              <a:rPr lang="fr-FR" sz="2400" dirty="0" smtClean="0"/>
+              <a:rPr lang="fr-FR" sz="2400" dirty="0"/>
               <a:t>Par région / département / ville</a:t>
             </a:r>
           </a:p>
           <a:p>
             <a:r>
-              <a:rPr lang="fr-FR" sz="2400" b="1" dirty="0" smtClean="0"/>
+              <a:rPr lang="fr-FR" sz="2400" b="1" dirty="0"/>
               <a:t>Analyses NLP :</a:t>
             </a:r>
           </a:p>
@@ -10853,7 +10893,7 @@
               <a:buChar char="-"/>
             </a:pPr>
             <a:r>
-              <a:rPr lang="fr-FR" sz="2400" dirty="0" smtClean="0"/>
+              <a:rPr lang="fr-FR" sz="2400" dirty="0"/>
               <a:t>Compétences les plus demandées</a:t>
             </a:r>
           </a:p>
@@ -10863,14 +10903,14 @@
               <a:buChar char="-"/>
             </a:pPr>
             <a:r>
-              <a:rPr lang="fr-FR" sz="2400" dirty="0" smtClean="0"/>
+              <a:rPr lang="fr-FR" sz="2400" dirty="0"/>
               <a:t>Soft </a:t>
             </a:r>
             <a:r>
-              <a:rPr lang="fr-FR" sz="2400" dirty="0" err="1" smtClean="0"/>
+              <a:rPr lang="fr-FR" sz="2400" dirty="0" err="1"/>
               <a:t>skills</a:t>
             </a:r>
-            <a:endParaRPr lang="fr-FR" sz="2400" dirty="0" smtClean="0"/>
+            <a:endParaRPr lang="fr-FR" sz="2400" dirty="0"/>
           </a:p>
           <a:p>
             <a:pPr marL="285750" indent="-285750">
@@ -10878,7 +10918,7 @@
               <a:buChar char="-"/>
             </a:pPr>
             <a:r>
-              <a:rPr lang="fr-FR" sz="2400" dirty="0" smtClean="0"/>
+              <a:rPr lang="fr-FR" sz="2400" dirty="0"/>
               <a:t>Évolution dans le temps</a:t>
             </a:r>
           </a:p>
@@ -10929,13 +10969,6 @@
       </p:transition>
     </mc:Fallback>
   </mc:AlternateContent>
-  <p:timing>
-    <p:tnLst>
-      <p:par>
-        <p:cTn id="1" dur="indefinite" restart="never" nodeType="tmRoot"/>
-      </p:par>
-    </p:tnLst>
-  </p:timing>
 </p:sld>
 </file>
 
